--- a/FFPM/FFPM 499.pptx
+++ b/FFPM/FFPM 499.pptx
@@ -7,8 +7,11 @@
   <p:sldIdLst>
     <p:sldId id="261" r:id="rId2"/>
     <p:sldId id="262" r:id="rId3"/>
-    <p:sldId id="263" r:id="rId4"/>
-    <p:sldId id="264" r:id="rId5"/>
+    <p:sldId id="265" r:id="rId4"/>
+    <p:sldId id="263" r:id="rId5"/>
+    <p:sldId id="266" r:id="rId6"/>
+    <p:sldId id="264" r:id="rId7"/>
+    <p:sldId id="267" r:id="rId8"/>
   </p:sldIdLst>
   <p:sldSz cx="9144000" cy="5143500" type="screen16x9"/>
   <p:notesSz cx="6858000" cy="9144000"/>
@@ -108,6 +111,22 @@
       </a:defRPr>
     </a:lvl9pPr>
   </p:defaultTextStyle>
+  <p:extLst>
+    <p:ext uri="{EFAFB233-063F-42B5-8137-9DF3F51BA10A}">
+      <p15:sldGuideLst xmlns:p15="http://schemas.microsoft.com/office/powerpoint/2012/main">
+        <p15:guide id="1" orient="horz" pos="1620">
+          <p15:clr>
+            <a:srgbClr val="A4A3A4"/>
+          </p15:clr>
+        </p15:guide>
+        <p15:guide id="2" pos="2880">
+          <p15:clr>
+            <a:srgbClr val="A4A3A4"/>
+          </p15:clr>
+        </p15:guide>
+      </p15:sldGuideLst>
+    </p:ext>
+  </p:extLst>
 </p:presentation>
 </file>
 
@@ -149,10 +168,9 @@
           <a:lstStyle/>
           <a:p>
             <a:r>
-              <a:rPr lang="fr-FR" smtClean="0"/>
+              <a:rPr lang="fr-FR"/>
               <a:t>Cliquez pour modifier le style du titre</a:t>
             </a:r>
-            <a:endParaRPr lang="fr-FR"/>
           </a:p>
         </p:txBody>
       </p:sp>
@@ -268,10 +286,9 @@
           </a:lstStyle>
           <a:p>
             <a:r>
-              <a:rPr lang="fr-FR" smtClean="0"/>
+              <a:rPr lang="fr-FR"/>
               <a:t>Cliquez pour modifier le style des sous-titres du masque</a:t>
             </a:r>
-            <a:endParaRPr lang="fr-FR"/>
           </a:p>
         </p:txBody>
       </p:sp>
@@ -293,7 +310,7 @@
             <a:fld id="{E1E9137A-D7C1-4F8C-A62B-C89ADD9F06F3}" type="datetimeFigureOut">
               <a:rPr lang="fr-FR" smtClean="0"/>
               <a:pPr/>
-              <a:t>28/10/2014</a:t>
+              <a:t>16/09/2023</a:t>
             </a:fld>
             <a:endParaRPr lang="fr-FR"/>
           </a:p>
@@ -383,10 +400,9 @@
           <a:lstStyle/>
           <a:p>
             <a:r>
-              <a:rPr lang="fr-FR" smtClean="0"/>
+              <a:rPr lang="fr-FR"/>
               <a:t>Cliquez pour modifier le style du titre</a:t>
             </a:r>
-            <a:endParaRPr lang="fr-FR"/>
           </a:p>
         </p:txBody>
       </p:sp>
@@ -407,38 +423,37 @@
           <a:p>
             <a:pPr lvl="0"/>
             <a:r>
-              <a:rPr lang="fr-FR" smtClean="0"/>
+              <a:rPr lang="fr-FR"/>
               <a:t>Cliquez pour modifier les styles du texte du masque</a:t>
             </a:r>
           </a:p>
           <a:p>
             <a:pPr lvl="1"/>
             <a:r>
-              <a:rPr lang="fr-FR" smtClean="0"/>
+              <a:rPr lang="fr-FR"/>
               <a:t>Deuxième niveau</a:t>
             </a:r>
           </a:p>
           <a:p>
             <a:pPr lvl="2"/>
             <a:r>
-              <a:rPr lang="fr-FR" smtClean="0"/>
+              <a:rPr lang="fr-FR"/>
               <a:t>Troisième niveau</a:t>
             </a:r>
           </a:p>
           <a:p>
             <a:pPr lvl="3"/>
             <a:r>
-              <a:rPr lang="fr-FR" smtClean="0"/>
+              <a:rPr lang="fr-FR"/>
               <a:t>Quatrième niveau</a:t>
             </a:r>
           </a:p>
           <a:p>
             <a:pPr lvl="4"/>
             <a:r>
-              <a:rPr lang="fr-FR" smtClean="0"/>
+              <a:rPr lang="fr-FR"/>
               <a:t>Cinquième niveau</a:t>
             </a:r>
-            <a:endParaRPr lang="fr-FR"/>
           </a:p>
         </p:txBody>
       </p:sp>
@@ -460,7 +475,7 @@
             <a:fld id="{E1E9137A-D7C1-4F8C-A62B-C89ADD9F06F3}" type="datetimeFigureOut">
               <a:rPr lang="fr-FR" smtClean="0"/>
               <a:pPr/>
-              <a:t>28/10/2014</a:t>
+              <a:t>16/09/2023</a:t>
             </a:fld>
             <a:endParaRPr lang="fr-FR"/>
           </a:p>
@@ -555,10 +570,9 @@
           <a:lstStyle/>
           <a:p>
             <a:r>
-              <a:rPr lang="fr-FR" smtClean="0"/>
+              <a:rPr lang="fr-FR"/>
               <a:t>Cliquez pour modifier le style du titre</a:t>
             </a:r>
-            <a:endParaRPr lang="fr-FR"/>
           </a:p>
         </p:txBody>
       </p:sp>
@@ -584,38 +598,37 @@
           <a:p>
             <a:pPr lvl="0"/>
             <a:r>
-              <a:rPr lang="fr-FR" smtClean="0"/>
+              <a:rPr lang="fr-FR"/>
               <a:t>Cliquez pour modifier les styles du texte du masque</a:t>
             </a:r>
           </a:p>
           <a:p>
             <a:pPr lvl="1"/>
             <a:r>
-              <a:rPr lang="fr-FR" smtClean="0"/>
+              <a:rPr lang="fr-FR"/>
               <a:t>Deuxième niveau</a:t>
             </a:r>
           </a:p>
           <a:p>
             <a:pPr lvl="2"/>
             <a:r>
-              <a:rPr lang="fr-FR" smtClean="0"/>
+              <a:rPr lang="fr-FR"/>
               <a:t>Troisième niveau</a:t>
             </a:r>
           </a:p>
           <a:p>
             <a:pPr lvl="3"/>
             <a:r>
-              <a:rPr lang="fr-FR" smtClean="0"/>
+              <a:rPr lang="fr-FR"/>
               <a:t>Quatrième niveau</a:t>
             </a:r>
           </a:p>
           <a:p>
             <a:pPr lvl="4"/>
             <a:r>
-              <a:rPr lang="fr-FR" smtClean="0"/>
+              <a:rPr lang="fr-FR"/>
               <a:t>Cinquième niveau</a:t>
             </a:r>
-            <a:endParaRPr lang="fr-FR"/>
           </a:p>
         </p:txBody>
       </p:sp>
@@ -637,7 +650,7 @@
             <a:fld id="{E1E9137A-D7C1-4F8C-A62B-C89ADD9F06F3}" type="datetimeFigureOut">
               <a:rPr lang="fr-FR" smtClean="0"/>
               <a:pPr/>
-              <a:t>28/10/2014</a:t>
+              <a:t>16/09/2023</a:t>
             </a:fld>
             <a:endParaRPr lang="fr-FR"/>
           </a:p>
@@ -727,10 +740,9 @@
           <a:lstStyle/>
           <a:p>
             <a:r>
-              <a:rPr lang="fr-FR" smtClean="0"/>
+              <a:rPr lang="fr-FR"/>
               <a:t>Cliquez pour modifier le style du titre</a:t>
             </a:r>
-            <a:endParaRPr lang="fr-FR"/>
           </a:p>
         </p:txBody>
       </p:sp>
@@ -751,38 +763,37 @@
           <a:p>
             <a:pPr lvl="0"/>
             <a:r>
-              <a:rPr lang="fr-FR" smtClean="0"/>
+              <a:rPr lang="fr-FR"/>
               <a:t>Cliquez pour modifier les styles du texte du masque</a:t>
             </a:r>
           </a:p>
           <a:p>
             <a:pPr lvl="1"/>
             <a:r>
-              <a:rPr lang="fr-FR" smtClean="0"/>
+              <a:rPr lang="fr-FR"/>
               <a:t>Deuxième niveau</a:t>
             </a:r>
           </a:p>
           <a:p>
             <a:pPr lvl="2"/>
             <a:r>
-              <a:rPr lang="fr-FR" smtClean="0"/>
+              <a:rPr lang="fr-FR"/>
               <a:t>Troisième niveau</a:t>
             </a:r>
           </a:p>
           <a:p>
             <a:pPr lvl="3"/>
             <a:r>
-              <a:rPr lang="fr-FR" smtClean="0"/>
+              <a:rPr lang="fr-FR"/>
               <a:t>Quatrième niveau</a:t>
             </a:r>
           </a:p>
           <a:p>
             <a:pPr lvl="4"/>
             <a:r>
-              <a:rPr lang="fr-FR" smtClean="0"/>
+              <a:rPr lang="fr-FR"/>
               <a:t>Cinquième niveau</a:t>
             </a:r>
-            <a:endParaRPr lang="fr-FR"/>
           </a:p>
         </p:txBody>
       </p:sp>
@@ -804,7 +815,7 @@
             <a:fld id="{E1E9137A-D7C1-4F8C-A62B-C89ADD9F06F3}" type="datetimeFigureOut">
               <a:rPr lang="fr-FR" smtClean="0"/>
               <a:pPr/>
-              <a:t>28/10/2014</a:t>
+              <a:t>16/09/2023</a:t>
             </a:fld>
             <a:endParaRPr lang="fr-FR"/>
           </a:p>
@@ -903,10 +914,9 @@
           </a:lstStyle>
           <a:p>
             <a:r>
-              <a:rPr lang="fr-FR" smtClean="0"/>
+              <a:rPr lang="fr-FR"/>
               <a:t>Cliquez pour modifier le style du titre</a:t>
             </a:r>
-            <a:endParaRPr lang="fr-FR"/>
           </a:p>
         </p:txBody>
       </p:sp>
@@ -1023,7 +1033,7 @@
           <a:p>
             <a:pPr lvl="0"/>
             <a:r>
-              <a:rPr lang="fr-FR" smtClean="0"/>
+              <a:rPr lang="fr-FR"/>
               <a:t>Cliquez pour modifier les styles du texte du masque</a:t>
             </a:r>
           </a:p>
@@ -1047,7 +1057,7 @@
             <a:fld id="{E1E9137A-D7C1-4F8C-A62B-C89ADD9F06F3}" type="datetimeFigureOut">
               <a:rPr lang="fr-FR" smtClean="0"/>
               <a:pPr/>
-              <a:t>28/10/2014</a:t>
+              <a:t>16/09/2023</a:t>
             </a:fld>
             <a:endParaRPr lang="fr-FR"/>
           </a:p>
@@ -1137,10 +1147,9 @@
           <a:lstStyle/>
           <a:p>
             <a:r>
-              <a:rPr lang="fr-FR" smtClean="0"/>
+              <a:rPr lang="fr-FR"/>
               <a:t>Cliquez pour modifier le style du titre</a:t>
             </a:r>
-            <a:endParaRPr lang="fr-FR"/>
           </a:p>
         </p:txBody>
       </p:sp>
@@ -1194,38 +1203,37 @@
           <a:p>
             <a:pPr lvl="0"/>
             <a:r>
-              <a:rPr lang="fr-FR" smtClean="0"/>
+              <a:rPr lang="fr-FR"/>
               <a:t>Cliquez pour modifier les styles du texte du masque</a:t>
             </a:r>
           </a:p>
           <a:p>
             <a:pPr lvl="1"/>
             <a:r>
-              <a:rPr lang="fr-FR" smtClean="0"/>
+              <a:rPr lang="fr-FR"/>
               <a:t>Deuxième niveau</a:t>
             </a:r>
           </a:p>
           <a:p>
             <a:pPr lvl="2"/>
             <a:r>
-              <a:rPr lang="fr-FR" smtClean="0"/>
+              <a:rPr lang="fr-FR"/>
               <a:t>Troisième niveau</a:t>
             </a:r>
           </a:p>
           <a:p>
             <a:pPr lvl="3"/>
             <a:r>
-              <a:rPr lang="fr-FR" smtClean="0"/>
+              <a:rPr lang="fr-FR"/>
               <a:t>Quatrième niveau</a:t>
             </a:r>
           </a:p>
           <a:p>
             <a:pPr lvl="4"/>
             <a:r>
-              <a:rPr lang="fr-FR" smtClean="0"/>
+              <a:rPr lang="fr-FR"/>
               <a:t>Cinquième niveau</a:t>
             </a:r>
-            <a:endParaRPr lang="fr-FR"/>
           </a:p>
         </p:txBody>
       </p:sp>
@@ -1279,38 +1287,37 @@
           <a:p>
             <a:pPr lvl="0"/>
             <a:r>
-              <a:rPr lang="fr-FR" smtClean="0"/>
+              <a:rPr lang="fr-FR"/>
               <a:t>Cliquez pour modifier les styles du texte du masque</a:t>
             </a:r>
           </a:p>
           <a:p>
             <a:pPr lvl="1"/>
             <a:r>
-              <a:rPr lang="fr-FR" smtClean="0"/>
+              <a:rPr lang="fr-FR"/>
               <a:t>Deuxième niveau</a:t>
             </a:r>
           </a:p>
           <a:p>
             <a:pPr lvl="2"/>
             <a:r>
-              <a:rPr lang="fr-FR" smtClean="0"/>
+              <a:rPr lang="fr-FR"/>
               <a:t>Troisième niveau</a:t>
             </a:r>
           </a:p>
           <a:p>
             <a:pPr lvl="3"/>
             <a:r>
-              <a:rPr lang="fr-FR" smtClean="0"/>
+              <a:rPr lang="fr-FR"/>
               <a:t>Quatrième niveau</a:t>
             </a:r>
           </a:p>
           <a:p>
             <a:pPr lvl="4"/>
             <a:r>
-              <a:rPr lang="fr-FR" smtClean="0"/>
+              <a:rPr lang="fr-FR"/>
               <a:t>Cinquième niveau</a:t>
             </a:r>
-            <a:endParaRPr lang="fr-FR"/>
           </a:p>
         </p:txBody>
       </p:sp>
@@ -1332,7 +1339,7 @@
             <a:fld id="{E1E9137A-D7C1-4F8C-A62B-C89ADD9F06F3}" type="datetimeFigureOut">
               <a:rPr lang="fr-FR" smtClean="0"/>
               <a:pPr/>
-              <a:t>28/10/2014</a:t>
+              <a:t>16/09/2023</a:t>
             </a:fld>
             <a:endParaRPr lang="fr-FR"/>
           </a:p>
@@ -1426,10 +1433,9 @@
           </a:lstStyle>
           <a:p>
             <a:r>
-              <a:rPr lang="fr-FR" smtClean="0"/>
+              <a:rPr lang="fr-FR"/>
               <a:t>Cliquez pour modifier le style du titre</a:t>
             </a:r>
-            <a:endParaRPr lang="fr-FR"/>
           </a:p>
         </p:txBody>
       </p:sp>
@@ -1492,7 +1498,7 @@
           <a:p>
             <a:pPr lvl="0"/>
             <a:r>
-              <a:rPr lang="fr-FR" smtClean="0"/>
+              <a:rPr lang="fr-FR"/>
               <a:t>Cliquez pour modifier les styles du texte du masque</a:t>
             </a:r>
           </a:p>
@@ -1548,38 +1554,37 @@
           <a:p>
             <a:pPr lvl="0"/>
             <a:r>
-              <a:rPr lang="fr-FR" smtClean="0"/>
+              <a:rPr lang="fr-FR"/>
               <a:t>Cliquez pour modifier les styles du texte du masque</a:t>
             </a:r>
           </a:p>
           <a:p>
             <a:pPr lvl="1"/>
             <a:r>
-              <a:rPr lang="fr-FR" smtClean="0"/>
+              <a:rPr lang="fr-FR"/>
               <a:t>Deuxième niveau</a:t>
             </a:r>
           </a:p>
           <a:p>
             <a:pPr lvl="2"/>
             <a:r>
-              <a:rPr lang="fr-FR" smtClean="0"/>
+              <a:rPr lang="fr-FR"/>
               <a:t>Troisième niveau</a:t>
             </a:r>
           </a:p>
           <a:p>
             <a:pPr lvl="3"/>
             <a:r>
-              <a:rPr lang="fr-FR" smtClean="0"/>
+              <a:rPr lang="fr-FR"/>
               <a:t>Quatrième niveau</a:t>
             </a:r>
           </a:p>
           <a:p>
             <a:pPr lvl="4"/>
             <a:r>
-              <a:rPr lang="fr-FR" smtClean="0"/>
+              <a:rPr lang="fr-FR"/>
               <a:t>Cinquième niveau</a:t>
             </a:r>
-            <a:endParaRPr lang="fr-FR"/>
           </a:p>
         </p:txBody>
       </p:sp>
@@ -1642,7 +1647,7 @@
           <a:p>
             <a:pPr lvl="0"/>
             <a:r>
-              <a:rPr lang="fr-FR" smtClean="0"/>
+              <a:rPr lang="fr-FR"/>
               <a:t>Cliquez pour modifier les styles du texte du masque</a:t>
             </a:r>
           </a:p>
@@ -1698,38 +1703,37 @@
           <a:p>
             <a:pPr lvl="0"/>
             <a:r>
-              <a:rPr lang="fr-FR" smtClean="0"/>
+              <a:rPr lang="fr-FR"/>
               <a:t>Cliquez pour modifier les styles du texte du masque</a:t>
             </a:r>
           </a:p>
           <a:p>
             <a:pPr lvl="1"/>
             <a:r>
-              <a:rPr lang="fr-FR" smtClean="0"/>
+              <a:rPr lang="fr-FR"/>
               <a:t>Deuxième niveau</a:t>
             </a:r>
           </a:p>
           <a:p>
             <a:pPr lvl="2"/>
             <a:r>
-              <a:rPr lang="fr-FR" smtClean="0"/>
+              <a:rPr lang="fr-FR"/>
               <a:t>Troisième niveau</a:t>
             </a:r>
           </a:p>
           <a:p>
             <a:pPr lvl="3"/>
             <a:r>
-              <a:rPr lang="fr-FR" smtClean="0"/>
+              <a:rPr lang="fr-FR"/>
               <a:t>Quatrième niveau</a:t>
             </a:r>
           </a:p>
           <a:p>
             <a:pPr lvl="4"/>
             <a:r>
-              <a:rPr lang="fr-FR" smtClean="0"/>
+              <a:rPr lang="fr-FR"/>
               <a:t>Cinquième niveau</a:t>
             </a:r>
-            <a:endParaRPr lang="fr-FR"/>
           </a:p>
         </p:txBody>
       </p:sp>
@@ -1751,7 +1755,7 @@
             <a:fld id="{E1E9137A-D7C1-4F8C-A62B-C89ADD9F06F3}" type="datetimeFigureOut">
               <a:rPr lang="fr-FR" smtClean="0"/>
               <a:pPr/>
-              <a:t>28/10/2014</a:t>
+              <a:t>16/09/2023</a:t>
             </a:fld>
             <a:endParaRPr lang="fr-FR"/>
           </a:p>
@@ -1841,10 +1845,9 @@
           <a:lstStyle/>
           <a:p>
             <a:r>
-              <a:rPr lang="fr-FR" smtClean="0"/>
+              <a:rPr lang="fr-FR"/>
               <a:t>Cliquez pour modifier le style du titre</a:t>
             </a:r>
-            <a:endParaRPr lang="fr-FR"/>
           </a:p>
         </p:txBody>
       </p:sp>
@@ -1866,7 +1869,7 @@
             <a:fld id="{E1E9137A-D7C1-4F8C-A62B-C89ADD9F06F3}" type="datetimeFigureOut">
               <a:rPr lang="fr-FR" smtClean="0"/>
               <a:pPr/>
-              <a:t>28/10/2014</a:t>
+              <a:t>16/09/2023</a:t>
             </a:fld>
             <a:endParaRPr lang="fr-FR"/>
           </a:p>
@@ -1958,7 +1961,7 @@
             <a:fld id="{E1E9137A-D7C1-4F8C-A62B-C89ADD9F06F3}" type="datetimeFigureOut">
               <a:rPr lang="fr-FR" smtClean="0"/>
               <a:pPr/>
-              <a:t>28/10/2014</a:t>
+              <a:t>16/09/2023</a:t>
             </a:fld>
             <a:endParaRPr lang="fr-FR"/>
           </a:p>
@@ -2057,10 +2060,9 @@
           </a:lstStyle>
           <a:p>
             <a:r>
-              <a:rPr lang="fr-FR" smtClean="0"/>
+              <a:rPr lang="fr-FR"/>
               <a:t>Cliquez pour modifier le style du titre</a:t>
             </a:r>
-            <a:endParaRPr lang="fr-FR"/>
           </a:p>
         </p:txBody>
       </p:sp>
@@ -2114,38 +2116,37 @@
           <a:p>
             <a:pPr lvl="0"/>
             <a:r>
-              <a:rPr lang="fr-FR" smtClean="0"/>
+              <a:rPr lang="fr-FR"/>
               <a:t>Cliquez pour modifier les styles du texte du masque</a:t>
             </a:r>
           </a:p>
           <a:p>
             <a:pPr lvl="1"/>
             <a:r>
-              <a:rPr lang="fr-FR" smtClean="0"/>
+              <a:rPr lang="fr-FR"/>
               <a:t>Deuxième niveau</a:t>
             </a:r>
           </a:p>
           <a:p>
             <a:pPr lvl="2"/>
             <a:r>
-              <a:rPr lang="fr-FR" smtClean="0"/>
+              <a:rPr lang="fr-FR"/>
               <a:t>Troisième niveau</a:t>
             </a:r>
           </a:p>
           <a:p>
             <a:pPr lvl="3"/>
             <a:r>
-              <a:rPr lang="fr-FR" smtClean="0"/>
+              <a:rPr lang="fr-FR"/>
               <a:t>Quatrième niveau</a:t>
             </a:r>
           </a:p>
           <a:p>
             <a:pPr lvl="4"/>
             <a:r>
-              <a:rPr lang="fr-FR" smtClean="0"/>
+              <a:rPr lang="fr-FR"/>
               <a:t>Cinquième niveau</a:t>
             </a:r>
-            <a:endParaRPr lang="fr-FR"/>
           </a:p>
         </p:txBody>
       </p:sp>
@@ -2208,7 +2209,7 @@
           <a:p>
             <a:pPr lvl="0"/>
             <a:r>
-              <a:rPr lang="fr-FR" smtClean="0"/>
+              <a:rPr lang="fr-FR"/>
               <a:t>Cliquez pour modifier les styles du texte du masque</a:t>
             </a:r>
           </a:p>
@@ -2232,7 +2233,7 @@
             <a:fld id="{E1E9137A-D7C1-4F8C-A62B-C89ADD9F06F3}" type="datetimeFigureOut">
               <a:rPr lang="fr-FR" smtClean="0"/>
               <a:pPr/>
-              <a:t>28/10/2014</a:t>
+              <a:t>16/09/2023</a:t>
             </a:fld>
             <a:endParaRPr lang="fr-FR"/>
           </a:p>
@@ -2331,10 +2332,9 @@
           </a:lstStyle>
           <a:p>
             <a:r>
-              <a:rPr lang="fr-FR" smtClean="0"/>
+              <a:rPr lang="fr-FR"/>
               <a:t>Cliquez pour modifier le style du titre</a:t>
             </a:r>
-            <a:endParaRPr lang="fr-FR"/>
           </a:p>
         </p:txBody>
       </p:sp>
@@ -2458,7 +2458,7 @@
           <a:p>
             <a:pPr lvl="0"/>
             <a:r>
-              <a:rPr lang="fr-FR" smtClean="0"/>
+              <a:rPr lang="fr-FR"/>
               <a:t>Cliquez pour modifier les styles du texte du masque</a:t>
             </a:r>
           </a:p>
@@ -2482,7 +2482,7 @@
             <a:fld id="{E1E9137A-D7C1-4F8C-A62B-C89ADD9F06F3}" type="datetimeFigureOut">
               <a:rPr lang="fr-FR" smtClean="0"/>
               <a:pPr/>
-              <a:t>28/10/2014</a:t>
+              <a:t>16/09/2023</a:t>
             </a:fld>
             <a:endParaRPr lang="fr-FR"/>
           </a:p>
@@ -2590,10 +2590,9 @@
           <a:lstStyle/>
           <a:p>
             <a:r>
-              <a:rPr lang="fr-FR" smtClean="0"/>
+              <a:rPr lang="fr-FR"/>
               <a:t>Cliquez pour modifier le style du titre</a:t>
             </a:r>
-            <a:endParaRPr lang="fr-FR"/>
           </a:p>
         </p:txBody>
       </p:sp>
@@ -2624,38 +2623,37 @@
           <a:p>
             <a:pPr lvl="0"/>
             <a:r>
-              <a:rPr lang="fr-FR" smtClean="0"/>
+              <a:rPr lang="fr-FR"/>
               <a:t>Cliquez pour modifier les styles du texte du masque</a:t>
             </a:r>
           </a:p>
           <a:p>
             <a:pPr lvl="1"/>
             <a:r>
-              <a:rPr lang="fr-FR" smtClean="0"/>
+              <a:rPr lang="fr-FR"/>
               <a:t>Deuxième niveau</a:t>
             </a:r>
           </a:p>
           <a:p>
             <a:pPr lvl="2"/>
             <a:r>
-              <a:rPr lang="fr-FR" smtClean="0"/>
+              <a:rPr lang="fr-FR"/>
               <a:t>Troisième niveau</a:t>
             </a:r>
           </a:p>
           <a:p>
             <a:pPr lvl="3"/>
             <a:r>
-              <a:rPr lang="fr-FR" smtClean="0"/>
+              <a:rPr lang="fr-FR"/>
               <a:t>Quatrième niveau</a:t>
             </a:r>
           </a:p>
           <a:p>
             <a:pPr lvl="4"/>
             <a:r>
-              <a:rPr lang="fr-FR" smtClean="0"/>
+              <a:rPr lang="fr-FR"/>
               <a:t>Cinquième niveau</a:t>
             </a:r>
-            <a:endParaRPr lang="fr-FR"/>
           </a:p>
         </p:txBody>
       </p:sp>
@@ -2695,7 +2693,7 @@
             <a:fld id="{E1E9137A-D7C1-4F8C-A62B-C89ADD9F06F3}" type="datetimeFigureOut">
               <a:rPr lang="fr-FR" smtClean="0"/>
               <a:pPr/>
-              <a:t>28/10/2014</a:t>
+              <a:t>16/09/2023</a:t>
             </a:fld>
             <a:endParaRPr lang="fr-FR"/>
           </a:p>
@@ -3088,7 +3086,7 @@
           <a:lstStyle/>
           <a:p>
             <a:r>
-              <a:rPr lang="fr-FR" sz="4000" b="1" dirty="0" err="1" smtClean="0">
+              <a:rPr lang="fr-FR" sz="4000" b="1" dirty="0" err="1">
                 <a:solidFill>
                   <a:srgbClr val="FFC000"/>
                 </a:solidFill>
@@ -3096,7 +3094,7 @@
               <a:t>Inona</a:t>
             </a:r>
             <a:r>
-              <a:rPr lang="fr-FR" sz="4000" b="1" dirty="0" smtClean="0">
+              <a:rPr lang="fr-FR" sz="4000" b="1" dirty="0">
                 <a:solidFill>
                   <a:srgbClr val="FFC000"/>
                 </a:solidFill>
@@ -3104,7 +3102,7 @@
               <a:t>, </a:t>
             </a:r>
             <a:r>
-              <a:rPr lang="fr-FR" sz="4000" b="1" dirty="0" err="1" smtClean="0">
+              <a:rPr lang="fr-FR" sz="4000" b="1" dirty="0" err="1">
                 <a:solidFill>
                   <a:srgbClr val="FFC000"/>
                 </a:solidFill>
@@ -3112,7 +3110,7 @@
               <a:t>re</a:t>
             </a:r>
             <a:r>
-              <a:rPr lang="fr-FR" sz="4000" b="1" dirty="0" smtClean="0">
+              <a:rPr lang="fr-FR" sz="4000" b="1" dirty="0">
                 <a:solidFill>
                   <a:srgbClr val="FFC000"/>
                 </a:solidFill>
@@ -3120,7 +3118,7 @@
               <a:t>, no </a:t>
             </a:r>
             <a:r>
-              <a:rPr lang="fr-FR" sz="4000" b="1" dirty="0" err="1" smtClean="0">
+              <a:rPr lang="fr-FR" sz="4000" b="1" dirty="0" err="1">
                 <a:solidFill>
                   <a:srgbClr val="FFC000"/>
                 </a:solidFill>
@@ -3158,7 +3156,7 @@
           <a:p>
             <a:pPr algn="ctr"/>
             <a:r>
-              <a:rPr lang="fi-FI" sz="11500" b="1" dirty="0" smtClean="0">
+              <a:rPr lang="fi-FI" sz="11500" b="1" dirty="0">
                 <a:solidFill>
                   <a:srgbClr val="FFC000"/>
                 </a:solidFill>
@@ -3206,8 +3204,8 @@
         </p:nvSpPr>
         <p:spPr>
           <a:xfrm>
-            <a:off x="0" y="-20538"/>
-            <a:ext cx="9144000" cy="4832092"/>
+            <a:off x="251520" y="167025"/>
+            <a:ext cx="8676456" cy="4708981"/>
           </a:xfrm>
           <a:prstGeom prst="rect">
             <a:avLst/>
@@ -3221,109 +3219,59 @@
           <a:p>
             <a:pPr algn="ctr"/>
             <a:r>
-              <a:rPr lang="pl-PL" sz="4400" b="1" dirty="0" smtClean="0"/>
+              <a:rPr lang="pl-PL" sz="6000" b="1" dirty="0"/>
               <a:t>1. Inona, re, no atakaloko,</a:t>
             </a:r>
           </a:p>
           <a:p>
             <a:pPr algn="ctr"/>
             <a:r>
-              <a:rPr lang="fr-FR" sz="4400" b="1" dirty="0" err="1" smtClean="0"/>
+              <a:rPr lang="fr-FR" sz="6000" b="1" dirty="0" err="1"/>
               <a:t>An'i</a:t>
             </a:r>
             <a:r>
-              <a:rPr lang="fr-FR" sz="4400" b="1" dirty="0" smtClean="0"/>
+              <a:rPr lang="fr-FR" sz="6000" b="1" dirty="0"/>
               <a:t> </a:t>
             </a:r>
             <a:r>
-              <a:rPr lang="fr-FR" sz="4400" b="1" dirty="0" err="1" smtClean="0"/>
+              <a:rPr lang="fr-FR" sz="6000" b="1" dirty="0" err="1"/>
               <a:t>Jesosy</a:t>
             </a:r>
             <a:r>
-              <a:rPr lang="fr-FR" sz="4400" b="1" dirty="0" smtClean="0"/>
+              <a:rPr lang="fr-FR" sz="6000" b="1" dirty="0"/>
               <a:t> </a:t>
             </a:r>
             <a:r>
-              <a:rPr lang="fr-FR" sz="4400" b="1" dirty="0" err="1" smtClean="0"/>
+              <a:rPr lang="fr-FR" sz="6000" b="1" dirty="0" err="1"/>
               <a:t>Izay</a:t>
             </a:r>
             <a:r>
-              <a:rPr lang="fr-FR" sz="4400" b="1" dirty="0" smtClean="0"/>
+              <a:rPr lang="fr-FR" sz="6000" b="1" dirty="0"/>
               <a:t> </a:t>
             </a:r>
             <a:r>
-              <a:rPr lang="fr-FR" sz="4400" b="1" dirty="0" err="1" smtClean="0"/>
+              <a:rPr lang="fr-FR" sz="6000" b="1" dirty="0" err="1"/>
               <a:t>mpisoloko</a:t>
             </a:r>
             <a:r>
-              <a:rPr lang="fr-FR" sz="4400" b="1" dirty="0" smtClean="0"/>
+              <a:rPr lang="fr-FR" sz="6000" b="1" dirty="0"/>
               <a:t>? </a:t>
             </a:r>
           </a:p>
           <a:p>
             <a:pPr algn="ctr"/>
             <a:r>
-              <a:rPr lang="it-IT" sz="4400" b="1" dirty="0" smtClean="0"/>
+              <a:rPr lang="it-IT" sz="6000" b="1" dirty="0"/>
               <a:t>Ny zavatra izay ho simba va sy mora </a:t>
             </a:r>
             <a:r>
-              <a:rPr lang="fr-FR" sz="4400" b="1" dirty="0" err="1" smtClean="0"/>
+              <a:rPr lang="fr-FR" sz="6000" b="1" dirty="0" err="1"/>
               <a:t>levona</a:t>
             </a:r>
             <a:r>
-              <a:rPr lang="fr-FR" sz="4400" b="1" dirty="0" smtClean="0"/>
+              <a:rPr lang="fr-FR" sz="6000" b="1" dirty="0"/>
               <a:t>.</a:t>
             </a:r>
-          </a:p>
-          <a:p>
-            <a:pPr algn="ctr"/>
-            <a:r>
-              <a:rPr lang="fr-FR" sz="4400" b="1" dirty="0" err="1" smtClean="0"/>
-              <a:t>Raha</a:t>
-            </a:r>
-            <a:r>
-              <a:rPr lang="fr-FR" sz="4400" b="1" dirty="0" smtClean="0"/>
-              <a:t> </a:t>
-            </a:r>
-            <a:r>
-              <a:rPr lang="fr-FR" sz="4400" b="1" dirty="0" err="1" smtClean="0"/>
-              <a:t>mbola</a:t>
-            </a:r>
-            <a:r>
-              <a:rPr lang="fr-FR" sz="4400" b="1" dirty="0" smtClean="0"/>
-              <a:t> </a:t>
-            </a:r>
-            <a:r>
-              <a:rPr lang="fr-FR" sz="4400" b="1" dirty="0" err="1" smtClean="0"/>
-              <a:t>hazoniko</a:t>
-            </a:r>
-            <a:r>
-              <a:rPr lang="fr-FR" sz="4400" b="1" dirty="0" smtClean="0"/>
-              <a:t> </a:t>
-            </a:r>
-            <a:r>
-              <a:rPr lang="fr-FR" sz="4400" b="1" dirty="0" err="1" smtClean="0"/>
-              <a:t>ny</a:t>
-            </a:r>
-            <a:r>
-              <a:rPr lang="fr-FR" sz="4400" b="1" dirty="0" smtClean="0"/>
-              <a:t> To,</a:t>
-            </a:r>
-          </a:p>
-          <a:p>
-            <a:pPr algn="ctr"/>
-            <a:r>
-              <a:rPr lang="pl-PL" sz="4400" b="1" dirty="0" smtClean="0"/>
-              <a:t>Ka tsy maty ny jiro ao am-po, </a:t>
-            </a:r>
-          </a:p>
-          <a:p>
-            <a:pPr algn="ctr"/>
-            <a:r>
-              <a:rPr lang="pl-PL" sz="4400" b="1" dirty="0" smtClean="0"/>
-              <a:t>Jesosy tsy soloako, na inona nainona.</a:t>
-            </a:r>
-            <a:endParaRPr lang="fr-FR" sz="4400" b="1" dirty="0" smtClean="0"/>
           </a:p>
         </p:txBody>
       </p:sp>
@@ -3354,18 +3302,25 @@
       </p:grpSpPr>
       <p:sp>
         <p:nvSpPr>
-          <p:cNvPr id="7" name="Rectangle 6"/>
-          <p:cNvSpPr/>
+          <p:cNvPr id="5" name="ZoneTexte 4">
+            <a:extLst>
+              <a:ext uri="{FF2B5EF4-FFF2-40B4-BE49-F238E27FC236}">
+                <a16:creationId xmlns:a16="http://schemas.microsoft.com/office/drawing/2014/main" id="{C199AEAB-1E35-8818-FB6D-DA875F3A783B}"/>
+              </a:ext>
+            </a:extLst>
+          </p:cNvPr>
+          <p:cNvSpPr txBox="1"/>
           <p:nvPr/>
         </p:nvSpPr>
         <p:spPr>
           <a:xfrm>
-            <a:off x="0" y="13717"/>
-            <a:ext cx="9144000" cy="4770537"/>
+            <a:off x="0" y="167025"/>
+            <a:ext cx="9144000" cy="4708981"/>
           </a:xfrm>
           <a:prstGeom prst="rect">
             <a:avLst/>
           </a:prstGeom>
+          <a:noFill/>
         </p:spPr>
         <p:txBody>
           <a:bodyPr wrap="square">
@@ -3375,172 +3330,85 @@
           <a:p>
             <a:pPr algn="ctr"/>
             <a:r>
-              <a:rPr lang="fr-FR" sz="4400" b="1" dirty="0" smtClean="0"/>
-              <a:t>2. </a:t>
-            </a:r>
-            <a:r>
-              <a:rPr lang="fr-FR" sz="4400" b="1" dirty="0" err="1" smtClean="0"/>
-              <a:t>Indro</a:t>
-            </a:r>
-            <a:r>
-              <a:rPr lang="fr-FR" sz="4400" b="1" dirty="0" smtClean="0"/>
-              <a:t>, </a:t>
-            </a:r>
-            <a:r>
-              <a:rPr lang="fr-FR" sz="4400" b="1" dirty="0" err="1" smtClean="0"/>
-              <a:t>Jesosy</a:t>
-            </a:r>
-            <a:r>
-              <a:rPr lang="fr-FR" sz="4400" b="1" dirty="0" smtClean="0"/>
-              <a:t> no </a:t>
-            </a:r>
-            <a:r>
-              <a:rPr lang="fr-FR" sz="4400" b="1" dirty="0" err="1" smtClean="0"/>
-              <a:t>fiainako</a:t>
-            </a:r>
-            <a:r>
-              <a:rPr lang="fr-FR" sz="4400" b="1" dirty="0" smtClean="0"/>
-              <a:t>,</a:t>
+              <a:rPr lang="fr-FR" sz="6000" b="1" dirty="0" err="1"/>
+              <a:t>Raha</a:t>
+            </a:r>
+            <a:r>
+              <a:rPr lang="fr-FR" sz="6000" b="1" dirty="0"/>
+              <a:t> </a:t>
+            </a:r>
+            <a:r>
+              <a:rPr lang="fr-FR" sz="6000" b="1" dirty="0" err="1"/>
+              <a:t>mbola</a:t>
+            </a:r>
+            <a:r>
+              <a:rPr lang="fr-FR" sz="6000" b="1" dirty="0"/>
+              <a:t> </a:t>
+            </a:r>
+            <a:r>
+              <a:rPr lang="fr-FR" sz="6000" b="1" dirty="0" err="1"/>
+              <a:t>hazoniko</a:t>
+            </a:r>
+            <a:r>
+              <a:rPr lang="fr-FR" sz="6000" b="1" dirty="0"/>
+              <a:t> </a:t>
+            </a:r>
+            <a:r>
+              <a:rPr lang="fr-FR" sz="6000" b="1" dirty="0" err="1"/>
+              <a:t>ny</a:t>
+            </a:r>
+            <a:r>
+              <a:rPr lang="fr-FR" sz="6000" b="1" dirty="0"/>
+              <a:t> To,</a:t>
             </a:r>
           </a:p>
           <a:p>
             <a:pPr algn="ctr"/>
             <a:r>
-              <a:rPr lang="fr-FR" sz="4400" b="1" dirty="0" err="1" smtClean="0"/>
-              <a:t>Izy</a:t>
-            </a:r>
-            <a:r>
-              <a:rPr lang="fr-FR" sz="4400" b="1" dirty="0" smtClean="0"/>
-              <a:t> no manda </a:t>
-            </a:r>
-            <a:r>
-              <a:rPr lang="fr-FR" sz="4400" b="1" dirty="0" err="1" smtClean="0"/>
-              <a:t>fiarovako</a:t>
-            </a:r>
-            <a:r>
-              <a:rPr lang="fr-FR" sz="4400" b="1" dirty="0" smtClean="0"/>
-              <a:t>;</a:t>
-            </a:r>
+              <a:rPr lang="pl-PL" sz="6000" b="1" dirty="0"/>
+              <a:t>Ka tsy maty </a:t>
+            </a:r>
+            <a:endParaRPr lang="fr-FR" sz="6000" b="1" dirty="0"/>
           </a:p>
           <a:p>
             <a:pPr algn="ctr"/>
             <a:r>
-              <a:rPr lang="fr-FR" sz="4400" b="1" dirty="0" err="1" smtClean="0"/>
-              <a:t>Izaho</a:t>
-            </a:r>
-            <a:r>
-              <a:rPr lang="fr-FR" sz="4400" b="1" dirty="0" smtClean="0"/>
+              <a:rPr lang="pl-PL" sz="6000" b="1" dirty="0"/>
+              <a:t>ny jiro ao am-po, </a:t>
+            </a:r>
+          </a:p>
+          <a:p>
+            <a:pPr algn="ctr"/>
+            <a:r>
+              <a:rPr lang="pl-PL" sz="6000" b="1" dirty="0"/>
+              <a:t>Jesosy tsy soloako, </a:t>
+            </a:r>
+            <a:endParaRPr lang="fr-FR" sz="6000" b="1" dirty="0"/>
+          </a:p>
+          <a:p>
+            <a:pPr algn="ctr"/>
+            <a:r>
+              <a:rPr lang="pl-PL" sz="6000" b="1" dirty="0"/>
+              <a:t>na inona na</a:t>
+            </a:r>
+            <a:r>
+              <a:rPr lang="fr-FR" sz="6000" b="1" dirty="0"/>
               <a:t> </a:t>
             </a:r>
             <a:r>
-              <a:rPr lang="fr-FR" sz="4400" b="1" dirty="0" err="1" smtClean="0"/>
-              <a:t>efa</a:t>
-            </a:r>
-            <a:r>
-              <a:rPr lang="fr-FR" sz="4400" b="1" dirty="0" smtClean="0"/>
-              <a:t> </a:t>
-            </a:r>
-            <a:r>
-              <a:rPr lang="fr-FR" sz="4400" b="1" dirty="0" err="1" smtClean="0"/>
-              <a:t>maty</a:t>
-            </a:r>
-            <a:r>
-              <a:rPr lang="fr-FR" sz="4400" b="1" dirty="0" smtClean="0"/>
-              <a:t>, </a:t>
-            </a:r>
-            <a:r>
-              <a:rPr lang="fr-FR" sz="4400" b="1" dirty="0" err="1" smtClean="0"/>
-              <a:t>nefa</a:t>
-            </a:r>
-            <a:r>
-              <a:rPr lang="fr-FR" sz="4400" b="1" dirty="0" smtClean="0"/>
-              <a:t> </a:t>
-            </a:r>
-            <a:r>
-              <a:rPr lang="fr-FR" sz="4400" b="1" dirty="0" err="1" smtClean="0"/>
-              <a:t>novelominy</a:t>
-            </a:r>
-            <a:r>
-              <a:rPr lang="fr-FR" sz="4400" b="1" dirty="0" smtClean="0"/>
-              <a:t> </a:t>
-            </a:r>
-            <a:r>
-              <a:rPr lang="fr-FR" sz="4400" b="1" dirty="0" err="1" smtClean="0"/>
-              <a:t>indray</a:t>
-            </a:r>
-            <a:r>
-              <a:rPr lang="fr-FR" sz="4400" b="1" dirty="0" smtClean="0"/>
-              <a:t>,</a:t>
-            </a:r>
-          </a:p>
-          <a:p>
-            <a:pPr algn="ctr"/>
-            <a:r>
-              <a:rPr lang="pt-BR" sz="4400" b="1" dirty="0" smtClean="0"/>
-              <a:t>Ka na dia mahantra aza aty,</a:t>
-            </a:r>
-          </a:p>
-          <a:p>
-            <a:pPr algn="ctr"/>
-            <a:r>
-              <a:rPr lang="fr-FR" sz="4400" b="1" dirty="0" smtClean="0"/>
-              <a:t>Ka </a:t>
-            </a:r>
-            <a:r>
-              <a:rPr lang="fr-FR" sz="4400" b="1" dirty="0" err="1" smtClean="0"/>
-              <a:t>tsy</a:t>
-            </a:r>
-            <a:r>
-              <a:rPr lang="fr-FR" sz="4400" b="1" dirty="0" smtClean="0"/>
-              <a:t> </a:t>
-            </a:r>
-            <a:r>
-              <a:rPr lang="fr-FR" sz="4400" b="1" dirty="0" err="1" smtClean="0"/>
-              <a:t>mbola</a:t>
-            </a:r>
-            <a:r>
-              <a:rPr lang="fr-FR" sz="4400" b="1" dirty="0" smtClean="0"/>
-              <a:t> </a:t>
-            </a:r>
-            <a:r>
-              <a:rPr lang="fr-FR" sz="4400" b="1" dirty="0" err="1" smtClean="0"/>
-              <a:t>nafindra</a:t>
-            </a:r>
-            <a:r>
-              <a:rPr lang="fr-FR" sz="4400" b="1" dirty="0" smtClean="0"/>
-              <a:t> ho </a:t>
-            </a:r>
-            <a:r>
-              <a:rPr lang="fr-FR" sz="4400" b="1" dirty="0" err="1" smtClean="0"/>
-              <a:t>ary</a:t>
-            </a:r>
-            <a:r>
-              <a:rPr lang="fr-FR" sz="4400" b="1" dirty="0" smtClean="0"/>
-              <a:t>, </a:t>
-            </a:r>
-          </a:p>
-          <a:p>
-            <a:pPr algn="ctr"/>
-            <a:r>
-              <a:rPr lang="pl-PL" sz="4000" b="1" dirty="0" smtClean="0"/>
-              <a:t>Jesosy no anjarako, ka ampy ahy re,</a:t>
-            </a:r>
-            <a:r>
-              <a:rPr lang="fr-FR" sz="4000" b="1" dirty="0" smtClean="0"/>
-              <a:t> </a:t>
-            </a:r>
-            <a:r>
-              <a:rPr lang="fr-FR" sz="4000" b="1" dirty="0" err="1" smtClean="0"/>
-              <a:t>izay</a:t>
-            </a:r>
-            <a:r>
-              <a:rPr lang="fr-FR" sz="4000" b="1" dirty="0" smtClean="0"/>
-              <a:t>.</a:t>
-            </a:r>
+              <a:rPr lang="pl-PL" sz="6000" b="1" dirty="0"/>
+              <a:t>inona.</a:t>
+            </a:r>
+            <a:endParaRPr lang="fr-FR" sz="6000" dirty="0"/>
           </a:p>
         </p:txBody>
       </p:sp>
     </p:spTree>
+    <p:extLst>
+      <p:ext uri="{BB962C8B-B14F-4D97-AF65-F5344CB8AC3E}">
+        <p14:creationId xmlns:p14="http://schemas.microsoft.com/office/powerpoint/2010/main" val="1287663939"/>
+      </p:ext>
+    </p:extLst>
   </p:cSld>
   <p:clrMapOvr>
     <a:masterClrMapping/>
@@ -3573,8 +3441,8 @@
         </p:nvSpPr>
         <p:spPr>
           <a:xfrm>
-            <a:off x="0" y="-26933"/>
-            <a:ext cx="9144000" cy="5262979"/>
+            <a:off x="0" y="-6608"/>
+            <a:ext cx="9144000" cy="5170646"/>
           </a:xfrm>
           <a:prstGeom prst="rect">
             <a:avLst/>
@@ -3588,175 +3456,102 @@
           <a:p>
             <a:pPr algn="ctr"/>
             <a:r>
-              <a:rPr lang="pl-PL" sz="4200" b="1" dirty="0" smtClean="0"/>
-              <a:t>3. O, ry Jesosy Tompo tsara ô!</a:t>
+              <a:rPr lang="fr-FR" sz="6600" b="1" dirty="0"/>
+              <a:t>2. </a:t>
+            </a:r>
+            <a:r>
+              <a:rPr lang="fr-FR" sz="6600" b="1" dirty="0" err="1"/>
+              <a:t>Indro</a:t>
+            </a:r>
+            <a:r>
+              <a:rPr lang="fr-FR" sz="6600" b="1" dirty="0"/>
+              <a:t>, </a:t>
+            </a:r>
+            <a:r>
+              <a:rPr lang="fr-FR" sz="6600" b="1" dirty="0" err="1"/>
+              <a:t>Jesosy</a:t>
+            </a:r>
+            <a:r>
+              <a:rPr lang="fr-FR" sz="6600" b="1" dirty="0"/>
+              <a:t> no </a:t>
+            </a:r>
+            <a:r>
+              <a:rPr lang="fr-FR" sz="6600" b="1" dirty="0" err="1"/>
+              <a:t>fiainako</a:t>
+            </a:r>
+            <a:r>
+              <a:rPr lang="fr-FR" sz="6600" b="1" dirty="0"/>
+              <a:t>,</a:t>
             </a:r>
           </a:p>
           <a:p>
             <a:pPr algn="ctr"/>
             <a:r>
-              <a:rPr lang="fr-FR" sz="4200" b="1" dirty="0" err="1" smtClean="0"/>
-              <a:t>Aza</a:t>
-            </a:r>
-            <a:r>
-              <a:rPr lang="fr-FR" sz="4200" b="1" dirty="0" smtClean="0"/>
+              <a:rPr lang="fr-FR" sz="6600" b="1" dirty="0" err="1"/>
+              <a:t>Izy</a:t>
+            </a:r>
+            <a:r>
+              <a:rPr lang="fr-FR" sz="6600" b="1" dirty="0"/>
+              <a:t> no manda </a:t>
+            </a:r>
+            <a:r>
+              <a:rPr lang="fr-FR" sz="6600" b="1" dirty="0" err="1"/>
+              <a:t>fiarovako</a:t>
+            </a:r>
+            <a:r>
+              <a:rPr lang="fr-FR" sz="6600" b="1" dirty="0"/>
+              <a:t>;</a:t>
+            </a:r>
+          </a:p>
+          <a:p>
+            <a:pPr algn="ctr"/>
+            <a:r>
+              <a:rPr lang="fr-FR" sz="6600" b="1" dirty="0" err="1"/>
+              <a:t>Izaho</a:t>
+            </a:r>
+            <a:r>
+              <a:rPr lang="fr-FR" sz="6600" b="1" dirty="0"/>
               <a:t> </a:t>
             </a:r>
             <a:r>
-              <a:rPr lang="fr-FR" sz="4200" b="1" dirty="0" err="1" smtClean="0"/>
-              <a:t>mamela</a:t>
-            </a:r>
-            <a:r>
-              <a:rPr lang="fr-FR" sz="4200" b="1" dirty="0" smtClean="0"/>
+              <a:rPr lang="fr-FR" sz="6600" b="1" dirty="0" err="1"/>
+              <a:t>efa</a:t>
+            </a:r>
+            <a:r>
+              <a:rPr lang="fr-FR" sz="6600" b="1" dirty="0"/>
               <a:t> </a:t>
             </a:r>
             <a:r>
-              <a:rPr lang="fr-FR" sz="4200" b="1" dirty="0" err="1" smtClean="0"/>
-              <a:t>ny</a:t>
-            </a:r>
-            <a:r>
-              <a:rPr lang="fr-FR" sz="4200" b="1" dirty="0" smtClean="0"/>
+              <a:rPr lang="fr-FR" sz="6600" b="1" dirty="0" err="1"/>
+              <a:t>maty</a:t>
+            </a:r>
+            <a:r>
+              <a:rPr lang="fr-FR" sz="6600" b="1" dirty="0"/>
+              <a:t>, </a:t>
+            </a:r>
+            <a:r>
+              <a:rPr lang="fr-FR" sz="6600" b="1" dirty="0" err="1"/>
+              <a:t>nefa</a:t>
+            </a:r>
+            <a:r>
+              <a:rPr lang="fr-FR" sz="6600" b="1" dirty="0"/>
               <a:t> </a:t>
             </a:r>
             <a:r>
-              <a:rPr lang="fr-FR" sz="4200" b="1" dirty="0" err="1" smtClean="0"/>
-              <a:t>fanahiko</a:t>
-            </a:r>
-            <a:r>
-              <a:rPr lang="fr-FR" sz="4200" b="1" dirty="0" smtClean="0"/>
+              <a:rPr lang="fr-FR" sz="6600" b="1" dirty="0" err="1"/>
+              <a:t>novelominy</a:t>
+            </a:r>
+            <a:r>
+              <a:rPr lang="fr-FR" sz="6600" b="1" dirty="0"/>
               <a:t> </a:t>
             </a:r>
-          </a:p>
-          <a:p>
-            <a:pPr algn="ctr"/>
-            <a:r>
-              <a:rPr lang="it-IT" sz="4200" b="1" dirty="0" smtClean="0"/>
-              <a:t>Hisaraka aminao, fa tano aho ho</a:t>
-            </a:r>
-          </a:p>
-          <a:p>
-            <a:pPr algn="ctr"/>
-            <a:r>
-              <a:rPr lang="fr-FR" sz="4200" b="1" dirty="0" err="1" smtClean="0"/>
-              <a:t>mpanomponao</a:t>
-            </a:r>
-            <a:r>
-              <a:rPr lang="fr-FR" sz="4200" b="1" dirty="0" smtClean="0"/>
-              <a:t>.</a:t>
-            </a:r>
-          </a:p>
-          <a:p>
-            <a:pPr algn="ctr"/>
-            <a:r>
-              <a:rPr lang="fr-FR" sz="4200" b="1" dirty="0" err="1" smtClean="0"/>
-              <a:t>Mba</a:t>
-            </a:r>
-            <a:r>
-              <a:rPr lang="fr-FR" sz="4200" b="1" dirty="0" smtClean="0"/>
-              <a:t> </a:t>
-            </a:r>
-            <a:r>
-              <a:rPr lang="fr-FR" sz="4200" b="1" dirty="0" err="1" smtClean="0"/>
-              <a:t>velomy</a:t>
-            </a:r>
-            <a:r>
-              <a:rPr lang="fr-FR" sz="4200" b="1" dirty="0" smtClean="0"/>
-              <a:t> </a:t>
-            </a:r>
-            <a:r>
-              <a:rPr lang="fr-FR" sz="4200" b="1" dirty="0" err="1" smtClean="0"/>
-              <a:t>ny</a:t>
-            </a:r>
-            <a:r>
-              <a:rPr lang="fr-FR" sz="4200" b="1" dirty="0" smtClean="0"/>
-              <a:t> </a:t>
-            </a:r>
-            <a:r>
-              <a:rPr lang="fr-FR" sz="4200" b="1" dirty="0" err="1" smtClean="0"/>
-              <a:t>fitiavako</a:t>
-            </a:r>
-            <a:endParaRPr lang="fr-FR" sz="4200" b="1" dirty="0" smtClean="0"/>
-          </a:p>
-          <a:p>
-            <a:pPr algn="ctr"/>
-            <a:r>
-              <a:rPr lang="fr-FR" sz="4200" b="1" dirty="0" smtClean="0"/>
-              <a:t>Ka </a:t>
-            </a:r>
-            <a:r>
-              <a:rPr lang="fr-FR" sz="4200" b="1" dirty="0" err="1" smtClean="0"/>
-              <a:t>tohano</a:t>
-            </a:r>
-            <a:r>
-              <a:rPr lang="fr-FR" sz="4200" b="1" dirty="0" smtClean="0"/>
-              <a:t> </a:t>
-            </a:r>
-            <a:r>
-              <a:rPr lang="fr-FR" sz="4200" b="1" dirty="0" err="1" smtClean="0"/>
-              <a:t>ny</a:t>
-            </a:r>
-            <a:r>
-              <a:rPr lang="fr-FR" sz="4200" b="1" dirty="0" smtClean="0"/>
-              <a:t> </a:t>
-            </a:r>
-            <a:r>
-              <a:rPr lang="fr-FR" sz="4200" b="1" dirty="0" err="1" smtClean="0"/>
-              <a:t>fandehanako</a:t>
-            </a:r>
-            <a:r>
-              <a:rPr lang="fr-FR" sz="4200" b="1" dirty="0" smtClean="0"/>
-              <a:t>, </a:t>
-            </a:r>
-          </a:p>
-          <a:p>
-            <a:pPr algn="ctr"/>
-            <a:r>
-              <a:rPr lang="fr-FR" sz="4200" b="1" dirty="0" err="1" smtClean="0"/>
-              <a:t>Mba</a:t>
-            </a:r>
-            <a:r>
-              <a:rPr lang="fr-FR" sz="4200" b="1" dirty="0" smtClean="0"/>
-              <a:t> </a:t>
-            </a:r>
-            <a:r>
-              <a:rPr lang="fr-FR" sz="4200" b="1" dirty="0" err="1" smtClean="0"/>
-              <a:t>hanarahako</a:t>
-            </a:r>
-            <a:r>
-              <a:rPr lang="fr-FR" sz="4200" b="1" dirty="0" smtClean="0"/>
-              <a:t> </a:t>
-            </a:r>
-            <a:r>
-              <a:rPr lang="fr-FR" sz="4200" b="1" dirty="0" err="1" smtClean="0"/>
-              <a:t>ny</a:t>
-            </a:r>
-            <a:r>
-              <a:rPr lang="fr-FR" sz="4200" b="1" dirty="0" smtClean="0"/>
-              <a:t> </a:t>
-            </a:r>
-            <a:r>
-              <a:rPr lang="fr-FR" sz="4200" b="1" dirty="0" err="1" smtClean="0"/>
-              <a:t>lalana</a:t>
-            </a:r>
-            <a:r>
-              <a:rPr lang="fr-FR" sz="4200" b="1" dirty="0" smtClean="0"/>
-              <a:t> </a:t>
-            </a:r>
-            <a:r>
-              <a:rPr lang="fr-FR" sz="4200" b="1" dirty="0" err="1" smtClean="0"/>
-              <a:t>izay</a:t>
-            </a:r>
-            <a:r>
-              <a:rPr lang="fr-FR" sz="4200" b="1" dirty="0" smtClean="0"/>
-              <a:t> </a:t>
-            </a:r>
-            <a:r>
-              <a:rPr lang="fr-FR" sz="4200" b="1" dirty="0" err="1" smtClean="0"/>
-              <a:t>nalehanao</a:t>
-            </a:r>
-            <a:r>
-              <a:rPr lang="fr-FR" sz="4200" b="1" dirty="0" smtClean="0"/>
-              <a:t>.</a:t>
+            <a:r>
+              <a:rPr lang="fr-FR" sz="6600" b="1" dirty="0" err="1"/>
+              <a:t>indray</a:t>
+            </a:r>
+            <a:r>
+              <a:rPr lang="fr-FR" sz="6600" b="1" dirty="0"/>
+              <a:t>,</a:t>
             </a:r>
           </a:p>
         </p:txBody>
@@ -3766,13 +3561,425 @@
   <p:clrMapOvr>
     <a:masterClrMapping/>
   </p:clrMapOvr>
-  <p:timing>
-    <p:tnLst>
-      <p:par>
-        <p:cTn id="1" dur="indefinite" restart="never" nodeType="tmRoot"/>
-      </p:par>
-    </p:tnLst>
-  </p:timing>
+</p:sld>
+</file>
+
+<file path=ppt/slides/slide5.xml><?xml version="1.0" encoding="utf-8"?>
+<p:sld xmlns:a="http://schemas.openxmlformats.org/drawingml/2006/main" xmlns:r="http://schemas.openxmlformats.org/officeDocument/2006/relationships" xmlns:p="http://schemas.openxmlformats.org/presentationml/2006/main">
+  <p:cSld>
+    <p:spTree>
+      <p:nvGrpSpPr>
+        <p:cNvPr id="1" name=""/>
+        <p:cNvGrpSpPr/>
+        <p:nvPr/>
+      </p:nvGrpSpPr>
+      <p:grpSpPr>
+        <a:xfrm>
+          <a:off x="0" y="0"/>
+          <a:ext cx="0" cy="0"/>
+          <a:chOff x="0" y="0"/>
+          <a:chExt cx="0" cy="0"/>
+        </a:xfrm>
+      </p:grpSpPr>
+      <p:sp>
+        <p:nvSpPr>
+          <p:cNvPr id="5" name="ZoneTexte 4">
+            <a:extLst>
+              <a:ext uri="{FF2B5EF4-FFF2-40B4-BE49-F238E27FC236}">
+                <a16:creationId xmlns:a16="http://schemas.microsoft.com/office/drawing/2014/main" id="{F4657275-A7D9-0565-D96B-A2071793C81D}"/>
+              </a:ext>
+            </a:extLst>
+          </p:cNvPr>
+          <p:cNvSpPr txBox="1"/>
+          <p:nvPr/>
+        </p:nvSpPr>
+        <p:spPr>
+          <a:xfrm>
+            <a:off x="72008" y="95017"/>
+            <a:ext cx="8964488" cy="4708981"/>
+          </a:xfrm>
+          <a:prstGeom prst="rect">
+            <a:avLst/>
+          </a:prstGeom>
+          <a:noFill/>
+        </p:spPr>
+        <p:txBody>
+          <a:bodyPr wrap="square">
+            <a:spAutoFit/>
+          </a:bodyPr>
+          <a:lstStyle/>
+          <a:p>
+            <a:pPr algn="ctr"/>
+            <a:r>
+              <a:rPr lang="pt-BR" sz="6000" b="1" dirty="0"/>
+              <a:t>Ka na dia mahantra aza aty,</a:t>
+            </a:r>
+          </a:p>
+          <a:p>
+            <a:pPr algn="ctr"/>
+            <a:r>
+              <a:rPr lang="fr-FR" sz="6000" b="1" dirty="0"/>
+              <a:t>Ka </a:t>
+            </a:r>
+            <a:r>
+              <a:rPr lang="fr-FR" sz="6000" b="1" dirty="0" err="1"/>
+              <a:t>tsy</a:t>
+            </a:r>
+            <a:r>
+              <a:rPr lang="fr-FR" sz="6000" b="1" dirty="0"/>
+              <a:t> </a:t>
+            </a:r>
+            <a:r>
+              <a:rPr lang="fr-FR" sz="6000" b="1" dirty="0" err="1"/>
+              <a:t>mbola</a:t>
+            </a:r>
+            <a:r>
+              <a:rPr lang="fr-FR" sz="6000" b="1" dirty="0"/>
+              <a:t> </a:t>
+            </a:r>
+            <a:r>
+              <a:rPr lang="fr-FR" sz="6000" b="1" dirty="0" err="1"/>
+              <a:t>nafindra</a:t>
+            </a:r>
+            <a:r>
+              <a:rPr lang="fr-FR" sz="6000" b="1" dirty="0"/>
+              <a:t> ho </a:t>
+            </a:r>
+            <a:r>
+              <a:rPr lang="fr-FR" sz="6000" b="1" dirty="0" err="1"/>
+              <a:t>ary</a:t>
+            </a:r>
+            <a:r>
+              <a:rPr lang="fr-FR" sz="6000" b="1" dirty="0"/>
+              <a:t>, </a:t>
+            </a:r>
+          </a:p>
+          <a:p>
+            <a:pPr algn="ctr"/>
+            <a:r>
+              <a:rPr lang="pl-PL" sz="6000" b="1" dirty="0"/>
+              <a:t>Jesosy no anjarako, ka ampy ahy re,</a:t>
+            </a:r>
+            <a:r>
+              <a:rPr lang="fr-FR" sz="6000" b="1" dirty="0"/>
+              <a:t> </a:t>
+            </a:r>
+            <a:r>
+              <a:rPr lang="fr-FR" sz="6000" b="1" dirty="0" err="1"/>
+              <a:t>izay</a:t>
+            </a:r>
+            <a:r>
+              <a:rPr lang="fr-FR" sz="6000" b="1" dirty="0"/>
+              <a:t>.</a:t>
+            </a:r>
+          </a:p>
+        </p:txBody>
+      </p:sp>
+    </p:spTree>
+    <p:extLst>
+      <p:ext uri="{BB962C8B-B14F-4D97-AF65-F5344CB8AC3E}">
+        <p14:creationId xmlns:p14="http://schemas.microsoft.com/office/powerpoint/2010/main" val="3699150549"/>
+      </p:ext>
+    </p:extLst>
+  </p:cSld>
+  <p:clrMapOvr>
+    <a:masterClrMapping/>
+  </p:clrMapOvr>
+</p:sld>
+</file>
+
+<file path=ppt/slides/slide6.xml><?xml version="1.0" encoding="utf-8"?>
+<p:sld xmlns:a="http://schemas.openxmlformats.org/drawingml/2006/main" xmlns:r="http://schemas.openxmlformats.org/officeDocument/2006/relationships" xmlns:p="http://schemas.openxmlformats.org/presentationml/2006/main">
+  <p:cSld>
+    <p:spTree>
+      <p:nvGrpSpPr>
+        <p:cNvPr id="1" name=""/>
+        <p:cNvGrpSpPr/>
+        <p:nvPr/>
+      </p:nvGrpSpPr>
+      <p:grpSpPr>
+        <a:xfrm>
+          <a:off x="0" y="0"/>
+          <a:ext cx="0" cy="0"/>
+          <a:chOff x="0" y="0"/>
+          <a:chExt cx="0" cy="0"/>
+        </a:xfrm>
+      </p:grpSpPr>
+      <p:sp>
+        <p:nvSpPr>
+          <p:cNvPr id="7" name="Rectangle 6"/>
+          <p:cNvSpPr/>
+          <p:nvPr/>
+        </p:nvSpPr>
+        <p:spPr>
+          <a:xfrm>
+            <a:off x="539552" y="51470"/>
+            <a:ext cx="8028384" cy="5078313"/>
+          </a:xfrm>
+          <a:prstGeom prst="rect">
+            <a:avLst/>
+          </a:prstGeom>
+        </p:spPr>
+        <p:txBody>
+          <a:bodyPr wrap="square">
+            <a:spAutoFit/>
+          </a:bodyPr>
+          <a:lstStyle/>
+          <a:p>
+            <a:pPr algn="ctr"/>
+            <a:r>
+              <a:rPr lang="pl-PL" sz="5400" b="1" dirty="0"/>
+              <a:t>3. O, ry Jesosy </a:t>
+            </a:r>
+            <a:endParaRPr lang="fr-FR" sz="5400" b="1" dirty="0"/>
+          </a:p>
+          <a:p>
+            <a:pPr algn="ctr"/>
+            <a:r>
+              <a:rPr lang="pl-PL" sz="5400" b="1" dirty="0"/>
+              <a:t>Tompo tsara ô!</a:t>
+            </a:r>
+          </a:p>
+          <a:p>
+            <a:pPr algn="ctr"/>
+            <a:r>
+              <a:rPr lang="fr-FR" sz="5400" b="1" dirty="0" err="1"/>
+              <a:t>Aza</a:t>
+            </a:r>
+            <a:r>
+              <a:rPr lang="fr-FR" sz="5400" b="1" dirty="0"/>
+              <a:t> </a:t>
+            </a:r>
+            <a:r>
+              <a:rPr lang="fr-FR" sz="5400" b="1" dirty="0" err="1"/>
+              <a:t>mamela</a:t>
+            </a:r>
+            <a:r>
+              <a:rPr lang="fr-FR" sz="5400" b="1" dirty="0"/>
+              <a:t> </a:t>
+            </a:r>
+            <a:r>
+              <a:rPr lang="fr-FR" sz="5400" b="1" dirty="0" err="1"/>
+              <a:t>ny</a:t>
+            </a:r>
+            <a:r>
+              <a:rPr lang="fr-FR" sz="5400" b="1" dirty="0"/>
+              <a:t> </a:t>
+            </a:r>
+            <a:r>
+              <a:rPr lang="fr-FR" sz="5400" b="1" dirty="0" err="1"/>
+              <a:t>fanahiko</a:t>
+            </a:r>
+            <a:r>
+              <a:rPr lang="fr-FR" sz="5400" b="1" dirty="0"/>
+              <a:t> </a:t>
+            </a:r>
+          </a:p>
+          <a:p>
+            <a:pPr algn="ctr"/>
+            <a:r>
+              <a:rPr lang="it-IT" sz="5400" b="1" dirty="0"/>
+              <a:t>Hisaraka aminao, </a:t>
+            </a:r>
+          </a:p>
+          <a:p>
+            <a:pPr algn="ctr"/>
+            <a:r>
+              <a:rPr lang="it-IT" sz="5400" b="1" dirty="0"/>
+              <a:t>fa tano aho ho</a:t>
+            </a:r>
+          </a:p>
+          <a:p>
+            <a:pPr algn="ctr"/>
+            <a:r>
+              <a:rPr lang="fr-FR" sz="5400" b="1" dirty="0" err="1"/>
+              <a:t>mpanomponao</a:t>
+            </a:r>
+            <a:r>
+              <a:rPr lang="fr-FR" sz="5400" b="1" dirty="0"/>
+              <a:t>.</a:t>
+            </a:r>
+          </a:p>
+        </p:txBody>
+      </p:sp>
+    </p:spTree>
+  </p:cSld>
+  <p:clrMapOvr>
+    <a:masterClrMapping/>
+  </p:clrMapOvr>
+</p:sld>
+</file>
+
+<file path=ppt/slides/slide7.xml><?xml version="1.0" encoding="utf-8"?>
+<p:sld xmlns:a="http://schemas.openxmlformats.org/drawingml/2006/main" xmlns:r="http://schemas.openxmlformats.org/officeDocument/2006/relationships" xmlns:p="http://schemas.openxmlformats.org/presentationml/2006/main">
+  <p:cSld>
+    <p:spTree>
+      <p:nvGrpSpPr>
+        <p:cNvPr id="1" name=""/>
+        <p:cNvGrpSpPr/>
+        <p:nvPr/>
+      </p:nvGrpSpPr>
+      <p:grpSpPr>
+        <a:xfrm>
+          <a:off x="0" y="0"/>
+          <a:ext cx="0" cy="0"/>
+          <a:chOff x="0" y="0"/>
+          <a:chExt cx="0" cy="0"/>
+        </a:xfrm>
+      </p:grpSpPr>
+      <p:sp>
+        <p:nvSpPr>
+          <p:cNvPr id="5" name="ZoneTexte 4">
+            <a:extLst>
+              <a:ext uri="{FF2B5EF4-FFF2-40B4-BE49-F238E27FC236}">
+                <a16:creationId xmlns:a16="http://schemas.microsoft.com/office/drawing/2014/main" id="{A87F08AF-B9D3-4B88-C1B9-3D2598266CC6}"/>
+              </a:ext>
+            </a:extLst>
+          </p:cNvPr>
+          <p:cNvSpPr txBox="1"/>
+          <p:nvPr/>
+        </p:nvSpPr>
+        <p:spPr>
+          <a:xfrm>
+            <a:off x="0" y="0"/>
+            <a:ext cx="9144000" cy="5170646"/>
+          </a:xfrm>
+          <a:prstGeom prst="rect">
+            <a:avLst/>
+          </a:prstGeom>
+          <a:noFill/>
+        </p:spPr>
+        <p:txBody>
+          <a:bodyPr wrap="square">
+            <a:spAutoFit/>
+          </a:bodyPr>
+          <a:lstStyle/>
+          <a:p>
+            <a:pPr algn="ctr"/>
+            <a:r>
+              <a:rPr lang="fr-FR" sz="6600" b="1" dirty="0" err="1"/>
+              <a:t>Mba</a:t>
+            </a:r>
+            <a:r>
+              <a:rPr lang="fr-FR" sz="6600" b="1" dirty="0"/>
+              <a:t> </a:t>
+            </a:r>
+            <a:r>
+              <a:rPr lang="fr-FR" sz="6600" b="1" dirty="0" err="1"/>
+              <a:t>velomy</a:t>
+            </a:r>
+            <a:r>
+              <a:rPr lang="fr-FR" sz="6600" b="1" dirty="0"/>
+              <a:t> </a:t>
+            </a:r>
+            <a:r>
+              <a:rPr lang="fr-FR" sz="6600" b="1" dirty="0" err="1"/>
+              <a:t>ny</a:t>
+            </a:r>
+            <a:r>
+              <a:rPr lang="fr-FR" sz="6600" b="1" dirty="0"/>
+              <a:t> </a:t>
+            </a:r>
+            <a:r>
+              <a:rPr lang="fr-FR" sz="6600" b="1" dirty="0" err="1"/>
+              <a:t>fitiavako</a:t>
+            </a:r>
+            <a:endParaRPr lang="fr-FR" sz="6600" b="1" dirty="0"/>
+          </a:p>
+          <a:p>
+            <a:pPr algn="ctr"/>
+            <a:r>
+              <a:rPr lang="fr-FR" sz="6600" b="1" dirty="0"/>
+              <a:t>Ka </a:t>
+            </a:r>
+            <a:r>
+              <a:rPr lang="fr-FR" sz="6600" b="1" dirty="0" err="1"/>
+              <a:t>tohano</a:t>
+            </a:r>
+            <a:r>
+              <a:rPr lang="fr-FR" sz="6600" b="1" dirty="0"/>
+              <a:t> </a:t>
+            </a:r>
+            <a:r>
+              <a:rPr lang="fr-FR" sz="6600" b="1" dirty="0" err="1"/>
+              <a:t>ny</a:t>
+            </a:r>
+            <a:r>
+              <a:rPr lang="fr-FR" sz="6600" b="1" dirty="0"/>
+              <a:t> </a:t>
+            </a:r>
+            <a:r>
+              <a:rPr lang="fr-FR" sz="6600" b="1" dirty="0" err="1"/>
+              <a:t>fandehanako</a:t>
+            </a:r>
+            <a:r>
+              <a:rPr lang="fr-FR" sz="6600" b="1" dirty="0"/>
+              <a:t>, </a:t>
+            </a:r>
+          </a:p>
+          <a:p>
+            <a:pPr algn="ctr"/>
+            <a:r>
+              <a:rPr lang="fr-FR" sz="6600" b="1" dirty="0" err="1"/>
+              <a:t>Mba</a:t>
+            </a:r>
+            <a:r>
+              <a:rPr lang="fr-FR" sz="6600" b="1" dirty="0"/>
+              <a:t> </a:t>
+            </a:r>
+            <a:r>
+              <a:rPr lang="fr-FR" sz="6600" b="1" dirty="0" err="1"/>
+              <a:t>hanarahako</a:t>
+            </a:r>
+            <a:r>
+              <a:rPr lang="fr-FR" sz="6600" b="1" dirty="0"/>
+              <a:t> </a:t>
+            </a:r>
+            <a:r>
+              <a:rPr lang="fr-FR" sz="6600" b="1" dirty="0" err="1"/>
+              <a:t>ny</a:t>
+            </a:r>
+            <a:r>
+              <a:rPr lang="fr-FR" sz="6600" b="1" dirty="0"/>
+              <a:t> </a:t>
+            </a:r>
+            <a:r>
+              <a:rPr lang="fr-FR" sz="6600" b="1" dirty="0" err="1"/>
+              <a:t>lalana</a:t>
+            </a:r>
+            <a:r>
+              <a:rPr lang="fr-FR" sz="6600" b="1" dirty="0"/>
+              <a:t> </a:t>
+            </a:r>
+            <a:r>
+              <a:rPr lang="fr-FR" sz="6600" b="1" dirty="0" err="1"/>
+              <a:t>izay</a:t>
+            </a:r>
+            <a:r>
+              <a:rPr lang="fr-FR" sz="6600" b="1" dirty="0"/>
+              <a:t> </a:t>
+            </a:r>
+            <a:r>
+              <a:rPr lang="fr-FR" sz="6600" b="1" dirty="0" err="1"/>
+              <a:t>nalehanao</a:t>
+            </a:r>
+            <a:r>
+              <a:rPr lang="fr-FR" sz="6600" b="1" dirty="0"/>
+              <a:t>.</a:t>
+            </a:r>
+          </a:p>
+        </p:txBody>
+      </p:sp>
+    </p:spTree>
+    <p:extLst>
+      <p:ext uri="{BB962C8B-B14F-4D97-AF65-F5344CB8AC3E}">
+        <p14:creationId xmlns:p14="http://schemas.microsoft.com/office/powerpoint/2010/main" val="3312108134"/>
+      </p:ext>
+    </p:extLst>
+  </p:cSld>
+  <p:clrMapOvr>
+    <a:masterClrMapping/>
+  </p:clrMapOvr>
 </p:sld>
 </file>
 
